--- a/W2_DataCleaning/W2_DataCleaning.pptx
+++ b/W2_DataCleaning/W2_DataCleaning.pptx
@@ -5881,8 +5881,8 @@
         </p:nvSpPr>
         <p:spPr>
           <a:xfrm>
-            <a:off x="1143225" y="685800"/>
-            <a:ext cx="4572225" cy="3429000"/>
+            <a:off x="381000" y="685800"/>
+            <a:ext cx="6096000" cy="3429000"/>
           </a:xfrm>
           <a:custGeom>
             <a:avLst/>
@@ -13700,6 +13700,45 @@
               <a:t>Preparing Data and Feature Engineering</a:t>
             </a:r>
             <a:endParaRPr/>
+          </a:p>
+        </p:txBody>
+      </p:sp>
+      <p:sp>
+        <p:nvSpPr>
+          <p:cNvPr id="2" name="TextBox 1"/>
+          <p:cNvSpPr txBox="1"/>
+          <p:nvPr/>
+        </p:nvSpPr>
+        <p:spPr>
+          <a:xfrm>
+            <a:off x="470262" y="1698172"/>
+            <a:ext cx="2325189" cy="830997"/>
+          </a:xfrm>
+          <a:prstGeom prst="rect">
+            <a:avLst/>
+          </a:prstGeom>
+          <a:noFill/>
+        </p:spPr>
+        <p:txBody>
+          <a:bodyPr wrap="square" rtlCol="0">
+            <a:spAutoFit/>
+          </a:bodyPr>
+          <a:lstStyle/>
+          <a:p>
+            <a:r>
+              <a:rPr lang="en-US" sz="2000" dirty="0" smtClean="0"/>
+              <a:t>Week 2</a:t>
+            </a:r>
+          </a:p>
+          <a:p>
+            <a:endParaRPr lang="en-US" dirty="0"/>
+          </a:p>
+          <a:p>
+            <a:r>
+              <a:rPr lang="en-US" dirty="0" smtClean="0"/>
+              <a:t>Mohammad Esmalifalak</a:t>
+            </a:r>
+            <a:endParaRPr lang="en-US" dirty="0"/>
           </a:p>
         </p:txBody>
       </p:sp>
@@ -19454,17 +19493,7 @@
                   </a:schemeClr>
                 </a:solidFill>
               </a:rPr>
-              <a:t>Five </a:t>
-            </a:r>
-            <a:r>
-              <a:rPr lang="en-US" smtClean="0">
-                <a:solidFill>
-                  <a:schemeClr val="bg2">
-                    <a:lumMod val="75000"/>
-                  </a:schemeClr>
-                </a:solidFill>
-              </a:rPr>
-              <a:t>Numbers.</a:t>
+              <a:t>Five Numbers.</a:t>
             </a:r>
             <a:endParaRPr lang="en-US" dirty="0">
               <a:solidFill>
